--- a/Lectures/Lecture1.pptx
+++ b/Lectures/Lecture1.pptx
@@ -6,17 +6,22 @@
   </p:sldMasterIdLst>
   <p:sldIdLst>
     <p:sldId id="256" r:id="rId2"/>
-    <p:sldId id="258" r:id="rId3"/>
-    <p:sldId id="257" r:id="rId4"/>
-    <p:sldId id="261" r:id="rId5"/>
-    <p:sldId id="262" r:id="rId6"/>
-    <p:sldId id="260" r:id="rId7"/>
-    <p:sldId id="263" r:id="rId8"/>
-    <p:sldId id="264" r:id="rId9"/>
-    <p:sldId id="265" r:id="rId10"/>
-    <p:sldId id="266" r:id="rId11"/>
-    <p:sldId id="267" r:id="rId12"/>
-    <p:sldId id="268" r:id="rId13"/>
+    <p:sldId id="269" r:id="rId3"/>
+    <p:sldId id="270" r:id="rId4"/>
+    <p:sldId id="271" r:id="rId5"/>
+    <p:sldId id="272" r:id="rId6"/>
+    <p:sldId id="273" r:id="rId7"/>
+    <p:sldId id="258" r:id="rId8"/>
+    <p:sldId id="257" r:id="rId9"/>
+    <p:sldId id="261" r:id="rId10"/>
+    <p:sldId id="262" r:id="rId11"/>
+    <p:sldId id="260" r:id="rId12"/>
+    <p:sldId id="263" r:id="rId13"/>
+    <p:sldId id="264" r:id="rId14"/>
+    <p:sldId id="265" r:id="rId15"/>
+    <p:sldId id="266" r:id="rId16"/>
+    <p:sldId id="267" r:id="rId17"/>
+    <p:sldId id="268" r:id="rId18"/>
   </p:sldIdLst>
   <p:sldSz cx="9144000" cy="6858000" type="screen4x3"/>
   <p:notesSz cx="6858000" cy="9144000"/>
@@ -3233,909 +3238,6 @@
               <a:rPr lang="en-US" dirty="0" smtClean="0"/>
             </a:br>
             <a:r>
-              <a:rPr lang="en-US" dirty="0" err="1" smtClean="0"/>
-              <a:t>stackoverflow</a:t>
-            </a:r>
-            <a:endParaRPr lang="en-US" dirty="0"/>
-          </a:p>
-        </p:txBody>
-      </p:sp>
-      <p:pic>
-        <p:nvPicPr>
-          <p:cNvPr id="6" name="Picture 5" descr="Stackoverflow.png"/>
-          <p:cNvPicPr>
-            <a:picLocks noChangeAspect="1"/>
-          </p:cNvPicPr>
-          <p:nvPr/>
-        </p:nvPicPr>
-        <p:blipFill>
-          <a:blip r:embed="rId2">
-            <a:extLst>
-              <a:ext uri="{28A0092B-C50C-407E-A947-70E740481C1C}">
-                <a14:useLocalDpi xmlns:a14="http://schemas.microsoft.com/office/drawing/2010/main" val="0"/>
-              </a:ext>
-            </a:extLst>
-          </a:blip>
-          <a:stretch>
-            <a:fillRect/>
-          </a:stretch>
-        </p:blipFill>
-        <p:spPr>
-          <a:xfrm>
-            <a:off x="0" y="1532721"/>
-            <a:ext cx="9144000" cy="6381985"/>
-          </a:xfrm>
-          <a:prstGeom prst="rect">
-            <a:avLst/>
-          </a:prstGeom>
-        </p:spPr>
-      </p:pic>
-      <p:sp>
-        <p:nvSpPr>
-          <p:cNvPr id="3" name="Right Arrow 2"/>
-          <p:cNvSpPr/>
-          <p:nvPr/>
-        </p:nvSpPr>
-        <p:spPr>
-          <a:xfrm>
-            <a:off x="4773987" y="1791755"/>
-            <a:ext cx="861813" cy="362887"/>
-          </a:xfrm>
-          <a:prstGeom prst="rightArrow">
-            <a:avLst/>
-          </a:prstGeom>
-          <a:solidFill>
-            <a:srgbClr val="FF0000"/>
-          </a:solidFill>
-          <a:ln>
-            <a:solidFill>
-              <a:srgbClr val="FF0000"/>
-            </a:solidFill>
-          </a:ln>
-        </p:spPr>
-        <p:style>
-          <a:lnRef idx="1">
-            <a:schemeClr val="accent1"/>
-          </a:lnRef>
-          <a:fillRef idx="3">
-            <a:schemeClr val="accent1"/>
-          </a:fillRef>
-          <a:effectRef idx="2">
-            <a:schemeClr val="accent1"/>
-          </a:effectRef>
-          <a:fontRef idx="minor">
-            <a:schemeClr val="lt1"/>
-          </a:fontRef>
-        </p:style>
-        <p:txBody>
-          <a:bodyPr rtlCol="0" anchor="ctr"/>
-          <a:lstStyle/>
-          <a:p>
-            <a:pPr algn="ctr"/>
-            <a:endParaRPr lang="en-US"/>
-          </a:p>
-        </p:txBody>
-      </p:sp>
-    </p:spTree>
-    <p:extLst>
-      <p:ext uri="{BB962C8B-B14F-4D97-AF65-F5344CB8AC3E}">
-        <p14:creationId xmlns:p14="http://schemas.microsoft.com/office/powerpoint/2010/main" val="1386901612"/>
-      </p:ext>
-    </p:extLst>
-  </p:cSld>
-  <p:clrMapOvr>
-    <a:masterClrMapping/>
-  </p:clrMapOvr>
-  <p:timing>
-    <p:tnLst>
-      <p:par>
-        <p:cTn xmlns:p14="http://schemas.microsoft.com/office/powerpoint/2010/main" id="1" dur="indefinite" restart="never" nodeType="tmRoot"/>
-      </p:par>
-    </p:tnLst>
-  </p:timing>
-</p:sld>
-</file>
-
-<file path=ppt/slides/slide11.xml><?xml version="1.0" encoding="utf-8"?>
-<p:sld xmlns:a="http://schemas.openxmlformats.org/drawingml/2006/main" xmlns:r="http://schemas.openxmlformats.org/officeDocument/2006/relationships" xmlns:p="http://schemas.openxmlformats.org/presentationml/2006/main">
-  <p:cSld>
-    <p:spTree>
-      <p:nvGrpSpPr>
-        <p:cNvPr id="1" name=""/>
-        <p:cNvGrpSpPr/>
-        <p:nvPr/>
-      </p:nvGrpSpPr>
-      <p:grpSpPr>
-        <a:xfrm>
-          <a:off x="0" y="0"/>
-          <a:ext cx="0" cy="0"/>
-          <a:chOff x="0" y="0"/>
-          <a:chExt cx="0" cy="0"/>
-        </a:xfrm>
-      </p:grpSpPr>
-      <p:sp>
-        <p:nvSpPr>
-          <p:cNvPr id="2" name="Title 1"/>
-          <p:cNvSpPr>
-            <a:spLocks noGrp="1"/>
-          </p:cNvSpPr>
-          <p:nvPr>
-            <p:ph type="title"/>
-          </p:nvPr>
-        </p:nvSpPr>
-        <p:spPr/>
-        <p:txBody>
-          <a:bodyPr>
-            <a:normAutofit fontScale="90000"/>
-          </a:bodyPr>
-          <a:lstStyle/>
-          <a:p>
-            <a:r>
-              <a:rPr lang="en-US" dirty="0" smtClean="0"/>
-              <a:t>Where to get info:</a:t>
-            </a:r>
-            <a:br>
-              <a:rPr lang="en-US" dirty="0" smtClean="0"/>
-            </a:br>
-            <a:r>
-              <a:rPr lang="en-US" dirty="0" err="1" smtClean="0"/>
-              <a:t>stackoverflow</a:t>
-            </a:r>
-            <a:endParaRPr lang="en-US" dirty="0"/>
-          </a:p>
-        </p:txBody>
-      </p:sp>
-      <p:pic>
-        <p:nvPicPr>
-          <p:cNvPr id="4" name="Picture 3" descr="SearchArchSetup.png"/>
-          <p:cNvPicPr>
-            <a:picLocks noChangeAspect="1"/>
-          </p:cNvPicPr>
-          <p:nvPr/>
-        </p:nvPicPr>
-        <p:blipFill>
-          <a:blip r:embed="rId2">
-            <a:extLst>
-              <a:ext uri="{28A0092B-C50C-407E-A947-70E740481C1C}">
-                <a14:useLocalDpi xmlns:a14="http://schemas.microsoft.com/office/drawing/2010/main" val="0"/>
-              </a:ext>
-            </a:extLst>
-          </a:blip>
-          <a:stretch>
-            <a:fillRect/>
-          </a:stretch>
-        </p:blipFill>
-        <p:spPr>
-          <a:xfrm>
-            <a:off x="6118860" y="1508358"/>
-            <a:ext cx="2567940" cy="5920740"/>
-          </a:xfrm>
-          <a:prstGeom prst="rect">
-            <a:avLst/>
-          </a:prstGeom>
-        </p:spPr>
-      </p:pic>
-      <p:pic>
-        <p:nvPicPr>
-          <p:cNvPr id="5" name="Picture 4" descr="StackoveflowSetup.png"/>
-          <p:cNvPicPr>
-            <a:picLocks noChangeAspect="1"/>
-          </p:cNvPicPr>
-          <p:nvPr/>
-        </p:nvPicPr>
-        <p:blipFill>
-          <a:blip r:embed="rId3">
-            <a:extLst>
-              <a:ext uri="{28A0092B-C50C-407E-A947-70E740481C1C}">
-                <a14:useLocalDpi xmlns:a14="http://schemas.microsoft.com/office/drawing/2010/main" val="0"/>
-              </a:ext>
-            </a:extLst>
-          </a:blip>
-          <a:stretch>
-            <a:fillRect/>
-          </a:stretch>
-        </p:blipFill>
-        <p:spPr>
-          <a:xfrm>
-            <a:off x="1754836" y="1508358"/>
-            <a:ext cx="2423160" cy="5882640"/>
-          </a:xfrm>
-          <a:prstGeom prst="rect">
-            <a:avLst/>
-          </a:prstGeom>
-        </p:spPr>
-      </p:pic>
-      <p:sp>
-        <p:nvSpPr>
-          <p:cNvPr id="7" name="Right Arrow Callout 6"/>
-          <p:cNvSpPr/>
-          <p:nvPr/>
-        </p:nvSpPr>
-        <p:spPr>
-          <a:xfrm>
-            <a:off x="79378" y="2268045"/>
-            <a:ext cx="1576210" cy="601031"/>
-          </a:xfrm>
-          <a:prstGeom prst="rightArrowCallout">
-            <a:avLst/>
-          </a:prstGeom>
-          <a:solidFill>
-            <a:srgbClr val="FF0000"/>
-          </a:solidFill>
-          <a:ln>
-            <a:solidFill>
-              <a:srgbClr val="FF0000"/>
-            </a:solidFill>
-          </a:ln>
-        </p:spPr>
-        <p:style>
-          <a:lnRef idx="1">
-            <a:schemeClr val="accent1"/>
-          </a:lnRef>
-          <a:fillRef idx="3">
-            <a:schemeClr val="accent1"/>
-          </a:fillRef>
-          <a:effectRef idx="2">
-            <a:schemeClr val="accent1"/>
-          </a:effectRef>
-          <a:fontRef idx="minor">
-            <a:schemeClr val="lt1"/>
-          </a:fontRef>
-        </p:style>
-        <p:txBody>
-          <a:bodyPr rtlCol="0" anchor="ctr"/>
-          <a:lstStyle/>
-          <a:p>
-            <a:pPr algn="ctr"/>
-            <a:r>
-              <a:rPr lang="en-US" dirty="0" smtClean="0"/>
-              <a:t>Question</a:t>
-            </a:r>
-            <a:endParaRPr lang="en-US" dirty="0"/>
-          </a:p>
-        </p:txBody>
-      </p:sp>
-      <p:sp>
-        <p:nvSpPr>
-          <p:cNvPr id="8" name="Right Arrow Callout 7"/>
-          <p:cNvSpPr/>
-          <p:nvPr/>
-        </p:nvSpPr>
-        <p:spPr>
-          <a:xfrm>
-            <a:off x="73018" y="4586385"/>
-            <a:ext cx="1576210" cy="601031"/>
-          </a:xfrm>
-          <a:prstGeom prst="rightArrowCallout">
-            <a:avLst/>
-          </a:prstGeom>
-          <a:solidFill>
-            <a:srgbClr val="FF0000"/>
-          </a:solidFill>
-          <a:ln>
-            <a:solidFill>
-              <a:srgbClr val="FF0000"/>
-            </a:solidFill>
-          </a:ln>
-        </p:spPr>
-        <p:style>
-          <a:lnRef idx="1">
-            <a:schemeClr val="accent1"/>
-          </a:lnRef>
-          <a:fillRef idx="3">
-            <a:schemeClr val="accent1"/>
-          </a:fillRef>
-          <a:effectRef idx="2">
-            <a:schemeClr val="accent1"/>
-          </a:effectRef>
-          <a:fontRef idx="minor">
-            <a:schemeClr val="lt1"/>
-          </a:fontRef>
-        </p:style>
-        <p:txBody>
-          <a:bodyPr rtlCol="0" anchor="ctr"/>
-          <a:lstStyle/>
-          <a:p>
-            <a:pPr algn="ctr"/>
-            <a:r>
-              <a:rPr lang="en-US" dirty="0" smtClean="0"/>
-              <a:t>Best answer</a:t>
-            </a:r>
-            <a:endParaRPr lang="en-US" dirty="0"/>
-          </a:p>
-        </p:txBody>
-      </p:sp>
-      <p:sp>
-        <p:nvSpPr>
-          <p:cNvPr id="9" name="Right Arrow Callout 8"/>
-          <p:cNvSpPr/>
-          <p:nvPr/>
-        </p:nvSpPr>
-        <p:spPr>
-          <a:xfrm>
-            <a:off x="4438829" y="2273025"/>
-            <a:ext cx="1576210" cy="601031"/>
-          </a:xfrm>
-          <a:prstGeom prst="rightArrowCallout">
-            <a:avLst/>
-          </a:prstGeom>
-          <a:solidFill>
-            <a:srgbClr val="FF0000"/>
-          </a:solidFill>
-          <a:ln>
-            <a:solidFill>
-              <a:srgbClr val="FF0000"/>
-            </a:solidFill>
-          </a:ln>
-        </p:spPr>
-        <p:style>
-          <a:lnRef idx="1">
-            <a:schemeClr val="accent1"/>
-          </a:lnRef>
-          <a:fillRef idx="3">
-            <a:schemeClr val="accent1"/>
-          </a:fillRef>
-          <a:effectRef idx="2">
-            <a:schemeClr val="accent1"/>
-          </a:effectRef>
-          <a:fontRef idx="minor">
-            <a:schemeClr val="lt1"/>
-          </a:fontRef>
-        </p:style>
-        <p:txBody>
-          <a:bodyPr rtlCol="0" anchor="ctr"/>
-          <a:lstStyle/>
-          <a:p>
-            <a:pPr algn="ctr"/>
-            <a:r>
-              <a:rPr lang="en-US" dirty="0" smtClean="0"/>
-              <a:t>Question</a:t>
-            </a:r>
-            <a:endParaRPr lang="en-US" dirty="0"/>
-          </a:p>
-        </p:txBody>
-      </p:sp>
-      <p:sp>
-        <p:nvSpPr>
-          <p:cNvPr id="10" name="Right Arrow Callout 9"/>
-          <p:cNvSpPr/>
-          <p:nvPr/>
-        </p:nvSpPr>
-        <p:spPr>
-          <a:xfrm rot="5400000">
-            <a:off x="4432469" y="5691375"/>
-            <a:ext cx="1576210" cy="601031"/>
-          </a:xfrm>
-          <a:prstGeom prst="rightArrowCallout">
-            <a:avLst/>
-          </a:prstGeom>
-          <a:solidFill>
-            <a:srgbClr val="FF0000"/>
-          </a:solidFill>
-          <a:ln>
-            <a:solidFill>
-              <a:srgbClr val="FF0000"/>
-            </a:solidFill>
-          </a:ln>
-        </p:spPr>
-        <p:style>
-          <a:lnRef idx="1">
-            <a:schemeClr val="accent1"/>
-          </a:lnRef>
-          <a:fillRef idx="3">
-            <a:schemeClr val="accent1"/>
-          </a:fillRef>
-          <a:effectRef idx="2">
-            <a:schemeClr val="accent1"/>
-          </a:effectRef>
-          <a:fontRef idx="minor">
-            <a:schemeClr val="lt1"/>
-          </a:fontRef>
-        </p:style>
-        <p:txBody>
-          <a:bodyPr rtlCol="0" anchor="ctr"/>
-          <a:lstStyle/>
-          <a:p>
-            <a:pPr algn="ctr"/>
-            <a:r>
-              <a:rPr lang="en-US" dirty="0" smtClean="0"/>
-              <a:t>Best answer</a:t>
-            </a:r>
-            <a:endParaRPr lang="en-US" dirty="0"/>
-          </a:p>
-        </p:txBody>
-      </p:sp>
-    </p:spTree>
-    <p:extLst>
-      <p:ext uri="{BB962C8B-B14F-4D97-AF65-F5344CB8AC3E}">
-        <p14:creationId xmlns:p14="http://schemas.microsoft.com/office/powerpoint/2010/main" val="1630884577"/>
-      </p:ext>
-    </p:extLst>
-  </p:cSld>
-  <p:clrMapOvr>
-    <a:masterClrMapping/>
-  </p:clrMapOvr>
-  <p:timing>
-    <p:tnLst>
-      <p:par>
-        <p:cTn xmlns:p14="http://schemas.microsoft.com/office/powerpoint/2010/main" id="1" dur="indefinite" restart="never" nodeType="tmRoot"/>
-      </p:par>
-    </p:tnLst>
-  </p:timing>
-</p:sld>
-</file>
-
-<file path=ppt/slides/slide12.xml><?xml version="1.0" encoding="utf-8"?>
-<p:sld xmlns:a="http://schemas.openxmlformats.org/drawingml/2006/main" xmlns:r="http://schemas.openxmlformats.org/officeDocument/2006/relationships" xmlns:p="http://schemas.openxmlformats.org/presentationml/2006/main">
-  <p:cSld>
-    <p:spTree>
-      <p:nvGrpSpPr>
-        <p:cNvPr id="1" name=""/>
-        <p:cNvGrpSpPr/>
-        <p:nvPr/>
-      </p:nvGrpSpPr>
-      <p:grpSpPr>
-        <a:xfrm>
-          <a:off x="0" y="0"/>
-          <a:ext cx="0" cy="0"/>
-          <a:chOff x="0" y="0"/>
-          <a:chExt cx="0" cy="0"/>
-        </a:xfrm>
-      </p:grpSpPr>
-      <p:sp>
-        <p:nvSpPr>
-          <p:cNvPr id="2" name="Title 1"/>
-          <p:cNvSpPr>
-            <a:spLocks noGrp="1"/>
-          </p:cNvSpPr>
-          <p:nvPr>
-            <p:ph type="title"/>
-          </p:nvPr>
-        </p:nvSpPr>
-        <p:spPr/>
-        <p:txBody>
-          <a:bodyPr/>
-          <a:lstStyle/>
-          <a:p>
-            <a:endParaRPr lang="en-US"/>
-          </a:p>
-        </p:txBody>
-      </p:sp>
-      <p:sp>
-        <p:nvSpPr>
-          <p:cNvPr id="3" name="Content Placeholder 2"/>
-          <p:cNvSpPr>
-            <a:spLocks noGrp="1"/>
-          </p:cNvSpPr>
-          <p:nvPr>
-            <p:ph idx="1"/>
-          </p:nvPr>
-        </p:nvSpPr>
-        <p:spPr/>
-        <p:txBody>
-          <a:bodyPr/>
-          <a:lstStyle/>
-          <a:p>
-            <a:endParaRPr lang="en-US"/>
-          </a:p>
-        </p:txBody>
-      </p:sp>
-    </p:spTree>
-    <p:extLst>
-      <p:ext uri="{BB962C8B-B14F-4D97-AF65-F5344CB8AC3E}">
-        <p14:creationId xmlns:p14="http://schemas.microsoft.com/office/powerpoint/2010/main" val="2781339485"/>
-      </p:ext>
-    </p:extLst>
-  </p:cSld>
-  <p:clrMapOvr>
-    <a:masterClrMapping/>
-  </p:clrMapOvr>
-</p:sld>
-</file>
-
-<file path=ppt/slides/slide2.xml><?xml version="1.0" encoding="utf-8"?>
-<p:sld xmlns:a="http://schemas.openxmlformats.org/drawingml/2006/main" xmlns:r="http://schemas.openxmlformats.org/officeDocument/2006/relationships" xmlns:p="http://schemas.openxmlformats.org/presentationml/2006/main">
-  <p:cSld>
-    <p:spTree>
-      <p:nvGrpSpPr>
-        <p:cNvPr id="1" name=""/>
-        <p:cNvGrpSpPr/>
-        <p:nvPr/>
-      </p:nvGrpSpPr>
-      <p:grpSpPr>
-        <a:xfrm>
-          <a:off x="0" y="0"/>
-          <a:ext cx="0" cy="0"/>
-          <a:chOff x="0" y="0"/>
-          <a:chExt cx="0" cy="0"/>
-        </a:xfrm>
-      </p:grpSpPr>
-      <p:sp>
-        <p:nvSpPr>
-          <p:cNvPr id="2" name="Title 1"/>
-          <p:cNvSpPr>
-            <a:spLocks noGrp="1"/>
-          </p:cNvSpPr>
-          <p:nvPr>
-            <p:ph type="title"/>
-          </p:nvPr>
-        </p:nvSpPr>
-        <p:spPr/>
-        <p:txBody>
-          <a:bodyPr>
-            <a:normAutofit fontScale="90000"/>
-          </a:bodyPr>
-          <a:lstStyle/>
-          <a:p>
-            <a:r>
-              <a:rPr lang="en-US" dirty="0" smtClean="0"/>
-              <a:t>Where to get info:</a:t>
-            </a:r>
-            <a:br>
-              <a:rPr lang="en-US" dirty="0" smtClean="0"/>
-            </a:br>
-            <a:r>
-              <a:rPr lang="en-US" dirty="0" smtClean="0"/>
-              <a:t>CRAN spatial task view</a:t>
-            </a:r>
-            <a:endParaRPr lang="en-US" dirty="0"/>
-          </a:p>
-        </p:txBody>
-      </p:sp>
-      <p:sp>
-        <p:nvSpPr>
-          <p:cNvPr id="7" name="Content Placeholder 6"/>
-          <p:cNvSpPr>
-            <a:spLocks noGrp="1"/>
-          </p:cNvSpPr>
-          <p:nvPr>
-            <p:ph idx="1"/>
-          </p:nvPr>
-        </p:nvSpPr>
-        <p:spPr/>
-        <p:txBody>
-          <a:bodyPr/>
-          <a:lstStyle/>
-          <a:p>
-            <a:endParaRPr lang="en-US"/>
-          </a:p>
-        </p:txBody>
-      </p:sp>
-      <p:pic>
-        <p:nvPicPr>
-          <p:cNvPr id="8" name="Content Placeholder 5" descr="Screen Shot 2015-01-26 at 10.06.04 AM.png"/>
-          <p:cNvPicPr>
-            <a:picLocks noChangeAspect="1"/>
-          </p:cNvPicPr>
-          <p:nvPr/>
-        </p:nvPicPr>
-        <p:blipFill>
-          <a:blip r:embed="rId2">
-            <a:extLst>
-              <a:ext uri="{28A0092B-C50C-407E-A947-70E740481C1C}">
-                <a14:useLocalDpi xmlns:a14="http://schemas.microsoft.com/office/drawing/2010/main" val="0"/>
-              </a:ext>
-            </a:extLst>
-          </a:blip>
-          <a:srcRect l="-12713" r="-12713"/>
-          <a:stretch>
-            <a:fillRect/>
-          </a:stretch>
-        </p:blipFill>
-        <p:spPr>
-          <a:xfrm>
-            <a:off x="-600554" y="1576299"/>
-            <a:ext cx="10360051" cy="5697667"/>
-          </a:xfrm>
-          <a:prstGeom prst="rect">
-            <a:avLst/>
-          </a:prstGeom>
-        </p:spPr>
-      </p:pic>
-    </p:spTree>
-    <p:extLst>
-      <p:ext uri="{BB962C8B-B14F-4D97-AF65-F5344CB8AC3E}">
-        <p14:creationId xmlns:p14="http://schemas.microsoft.com/office/powerpoint/2010/main" val="3245247866"/>
-      </p:ext>
-    </p:extLst>
-  </p:cSld>
-  <p:clrMapOvr>
-    <a:masterClrMapping/>
-  </p:clrMapOvr>
-  <p:timing>
-    <p:tnLst>
-      <p:par>
-        <p:cTn xmlns:p14="http://schemas.microsoft.com/office/powerpoint/2010/main" id="1" dur="indefinite" restart="never" nodeType="tmRoot"/>
-      </p:par>
-    </p:tnLst>
-  </p:timing>
-</p:sld>
-</file>
-
-<file path=ppt/slides/slide3.xml><?xml version="1.0" encoding="utf-8"?>
-<p:sld xmlns:a="http://schemas.openxmlformats.org/drawingml/2006/main" xmlns:r="http://schemas.openxmlformats.org/officeDocument/2006/relationships" xmlns:p="http://schemas.openxmlformats.org/presentationml/2006/main">
-  <p:cSld>
-    <p:spTree>
-      <p:nvGrpSpPr>
-        <p:cNvPr id="1" name=""/>
-        <p:cNvGrpSpPr/>
-        <p:nvPr/>
-      </p:nvGrpSpPr>
-      <p:grpSpPr>
-        <a:xfrm>
-          <a:off x="0" y="0"/>
-          <a:ext cx="0" cy="0"/>
-          <a:chOff x="0" y="0"/>
-          <a:chExt cx="0" cy="0"/>
-        </a:xfrm>
-      </p:grpSpPr>
-      <p:sp>
-        <p:nvSpPr>
-          <p:cNvPr id="2" name="Title 1"/>
-          <p:cNvSpPr>
-            <a:spLocks noGrp="1"/>
-          </p:cNvSpPr>
-          <p:nvPr>
-            <p:ph type="title"/>
-          </p:nvPr>
-        </p:nvSpPr>
-        <p:spPr/>
-        <p:txBody>
-          <a:bodyPr>
-            <a:normAutofit fontScale="90000"/>
-          </a:bodyPr>
-          <a:lstStyle/>
-          <a:p>
-            <a:r>
-              <a:rPr lang="en-US" dirty="0" smtClean="0"/>
-              <a:t>Where to get info:</a:t>
-            </a:r>
-            <a:br>
-              <a:rPr lang="en-US" dirty="0" smtClean="0"/>
-            </a:br>
-            <a:r>
-              <a:rPr lang="en-US" dirty="0" smtClean="0"/>
-              <a:t>R-Sig-Geo mailing list</a:t>
-            </a:r>
-            <a:endParaRPr lang="en-US" dirty="0"/>
-          </a:p>
-        </p:txBody>
-      </p:sp>
-      <p:pic>
-        <p:nvPicPr>
-          <p:cNvPr id="7" name="Picture 6" descr="RSigGeo.png"/>
-          <p:cNvPicPr>
-            <a:picLocks noChangeAspect="1"/>
-          </p:cNvPicPr>
-          <p:nvPr/>
-        </p:nvPicPr>
-        <p:blipFill>
-          <a:blip r:embed="rId2">
-            <a:extLst>
-              <a:ext uri="{28A0092B-C50C-407E-A947-70E740481C1C}">
-                <a14:useLocalDpi xmlns:a14="http://schemas.microsoft.com/office/drawing/2010/main" val="0"/>
-              </a:ext>
-            </a:extLst>
-          </a:blip>
-          <a:stretch>
-            <a:fillRect/>
-          </a:stretch>
-        </p:blipFill>
-        <p:spPr>
-          <a:xfrm>
-            <a:off x="0" y="1531038"/>
-            <a:ext cx="9144000" cy="6384257"/>
-          </a:xfrm>
-          <a:prstGeom prst="rect">
-            <a:avLst/>
-          </a:prstGeom>
-        </p:spPr>
-      </p:pic>
-    </p:spTree>
-    <p:extLst>
-      <p:ext uri="{BB962C8B-B14F-4D97-AF65-F5344CB8AC3E}">
-        <p14:creationId xmlns:p14="http://schemas.microsoft.com/office/powerpoint/2010/main" val="2674961125"/>
-      </p:ext>
-    </p:extLst>
-  </p:cSld>
-  <p:clrMapOvr>
-    <a:masterClrMapping/>
-  </p:clrMapOvr>
-  <p:timing>
-    <p:tnLst>
-      <p:par>
-        <p:cTn xmlns:p14="http://schemas.microsoft.com/office/powerpoint/2010/main" id="1" dur="indefinite" restart="never" nodeType="tmRoot"/>
-      </p:par>
-    </p:tnLst>
-  </p:timing>
-</p:sld>
-</file>
-
-<file path=ppt/slides/slide4.xml><?xml version="1.0" encoding="utf-8"?>
-<p:sld xmlns:a="http://schemas.openxmlformats.org/drawingml/2006/main" xmlns:r="http://schemas.openxmlformats.org/officeDocument/2006/relationships" xmlns:p="http://schemas.openxmlformats.org/presentationml/2006/main">
-  <p:cSld>
-    <p:spTree>
-      <p:nvGrpSpPr>
-        <p:cNvPr id="1" name=""/>
-        <p:cNvGrpSpPr/>
-        <p:nvPr/>
-      </p:nvGrpSpPr>
-      <p:grpSpPr>
-        <a:xfrm>
-          <a:off x="0" y="0"/>
-          <a:ext cx="0" cy="0"/>
-          <a:chOff x="0" y="0"/>
-          <a:chExt cx="0" cy="0"/>
-        </a:xfrm>
-      </p:grpSpPr>
-      <p:sp>
-        <p:nvSpPr>
-          <p:cNvPr id="2" name="Title 1"/>
-          <p:cNvSpPr>
-            <a:spLocks noGrp="1"/>
-          </p:cNvSpPr>
-          <p:nvPr>
-            <p:ph type="title"/>
-          </p:nvPr>
-        </p:nvSpPr>
-        <p:spPr/>
-        <p:txBody>
-          <a:bodyPr>
-            <a:normAutofit fontScale="90000"/>
-          </a:bodyPr>
-          <a:lstStyle/>
-          <a:p>
-            <a:r>
-              <a:rPr lang="en-US" dirty="0" smtClean="0"/>
-              <a:t>Where to get info:</a:t>
-            </a:r>
-            <a:br>
-              <a:rPr lang="en-US" dirty="0" smtClean="0"/>
-            </a:br>
-            <a:r>
-              <a:rPr lang="en-US" dirty="0" smtClean="0"/>
-              <a:t>R-Sig-Geo mailing list</a:t>
-            </a:r>
-            <a:endParaRPr lang="en-US" dirty="0"/>
-          </a:p>
-        </p:txBody>
-      </p:sp>
-      <p:pic>
-        <p:nvPicPr>
-          <p:cNvPr id="7" name="Picture 6" descr="RSigGeo.png"/>
-          <p:cNvPicPr>
-            <a:picLocks noChangeAspect="1"/>
-          </p:cNvPicPr>
-          <p:nvPr/>
-        </p:nvPicPr>
-        <p:blipFill>
-          <a:blip r:embed="rId2">
-            <a:extLst>
-              <a:ext uri="{28A0092B-C50C-407E-A947-70E740481C1C}">
-                <a14:useLocalDpi xmlns:a14="http://schemas.microsoft.com/office/drawing/2010/main" val="0"/>
-              </a:ext>
-            </a:extLst>
-          </a:blip>
-          <a:stretch>
-            <a:fillRect/>
-          </a:stretch>
-        </p:blipFill>
-        <p:spPr>
-          <a:xfrm>
-            <a:off x="0" y="1531038"/>
-            <a:ext cx="9144000" cy="6384257"/>
-          </a:xfrm>
-          <a:prstGeom prst="rect">
-            <a:avLst/>
-          </a:prstGeom>
-        </p:spPr>
-      </p:pic>
-      <p:sp>
-        <p:nvSpPr>
-          <p:cNvPr id="8" name="Rectangle 7"/>
-          <p:cNvSpPr/>
-          <p:nvPr/>
-        </p:nvSpPr>
-        <p:spPr>
-          <a:xfrm>
-            <a:off x="102057" y="4785574"/>
-            <a:ext cx="8946974" cy="1462889"/>
-          </a:xfrm>
-          <a:prstGeom prst="rect">
-            <a:avLst/>
-          </a:prstGeom>
-          <a:noFill/>
-          <a:ln w="76200" cmpd="sng">
-            <a:solidFill>
-              <a:srgbClr val="FF0000"/>
-            </a:solidFill>
-          </a:ln>
-        </p:spPr>
-        <p:style>
-          <a:lnRef idx="1">
-            <a:schemeClr val="accent1"/>
-          </a:lnRef>
-          <a:fillRef idx="3">
-            <a:schemeClr val="accent1"/>
-          </a:fillRef>
-          <a:effectRef idx="2">
-            <a:schemeClr val="accent1"/>
-          </a:effectRef>
-          <a:fontRef idx="minor">
-            <a:schemeClr val="lt1"/>
-          </a:fontRef>
-        </p:style>
-        <p:txBody>
-          <a:bodyPr rtlCol="0" anchor="ctr"/>
-          <a:lstStyle/>
-          <a:p>
-            <a:pPr algn="ctr"/>
-            <a:endParaRPr lang="en-US"/>
-          </a:p>
-        </p:txBody>
-      </p:sp>
-    </p:spTree>
-    <p:extLst>
-      <p:ext uri="{BB962C8B-B14F-4D97-AF65-F5344CB8AC3E}">
-        <p14:creationId xmlns:p14="http://schemas.microsoft.com/office/powerpoint/2010/main" val="4073922099"/>
-      </p:ext>
-    </p:extLst>
-  </p:cSld>
-  <p:clrMapOvr>
-    <a:masterClrMapping/>
-  </p:clrMapOvr>
-  <p:timing>
-    <p:tnLst>
-      <p:par>
-        <p:cTn xmlns:p14="http://schemas.microsoft.com/office/powerpoint/2010/main" id="1" dur="indefinite" restart="never" nodeType="tmRoot"/>
-      </p:par>
-    </p:tnLst>
-  </p:timing>
-</p:sld>
-</file>
-
-<file path=ppt/slides/slide5.xml><?xml version="1.0" encoding="utf-8"?>
-<p:sld xmlns:a="http://schemas.openxmlformats.org/drawingml/2006/main" xmlns:r="http://schemas.openxmlformats.org/officeDocument/2006/relationships" xmlns:p="http://schemas.openxmlformats.org/presentationml/2006/main">
-  <p:cSld>
-    <p:spTree>
-      <p:nvGrpSpPr>
-        <p:cNvPr id="1" name=""/>
-        <p:cNvGrpSpPr/>
-        <p:nvPr/>
-      </p:nvGrpSpPr>
-      <p:grpSpPr>
-        <a:xfrm>
-          <a:off x="0" y="0"/>
-          <a:ext cx="0" cy="0"/>
-          <a:chOff x="0" y="0"/>
-          <a:chExt cx="0" cy="0"/>
-        </a:xfrm>
-      </p:grpSpPr>
-      <p:sp>
-        <p:nvSpPr>
-          <p:cNvPr id="2" name="Title 1"/>
-          <p:cNvSpPr>
-            <a:spLocks noGrp="1"/>
-          </p:cNvSpPr>
-          <p:nvPr>
-            <p:ph type="title"/>
-          </p:nvPr>
-        </p:nvSpPr>
-        <p:spPr/>
-        <p:txBody>
-          <a:bodyPr>
-            <a:normAutofit fontScale="90000"/>
-          </a:bodyPr>
-          <a:lstStyle/>
-          <a:p>
-            <a:r>
-              <a:rPr lang="en-US" dirty="0" smtClean="0"/>
-              <a:t>Where to get info:</a:t>
-            </a:r>
-            <a:br>
-              <a:rPr lang="en-US" dirty="0" smtClean="0"/>
-            </a:br>
-            <a:r>
               <a:rPr lang="en-US" dirty="0" smtClean="0"/>
               <a:t>R-Sig-Geo mailing list</a:t>
             </a:r>
@@ -4239,7 +3341,7 @@
 </p:sld>
 </file>
 
-<file path=ppt/slides/slide6.xml><?xml version="1.0" encoding="utf-8"?>
+<file path=ppt/slides/slide11.xml><?xml version="1.0" encoding="utf-8"?>
 <p:sld xmlns:a="http://schemas.openxmlformats.org/drawingml/2006/main" xmlns:r="http://schemas.openxmlformats.org/officeDocument/2006/relationships" xmlns:p="http://schemas.openxmlformats.org/presentationml/2006/main">
   <p:cSld>
     <p:spTree>
@@ -4368,7 +3470,7 @@
 </p:sld>
 </file>
 
-<file path=ppt/slides/slide7.xml><?xml version="1.0" encoding="utf-8"?>
+<file path=ppt/slides/slide12.xml><?xml version="1.0" encoding="utf-8"?>
 <p:sld xmlns:a="http://schemas.openxmlformats.org/drawingml/2006/main" xmlns:r="http://schemas.openxmlformats.org/officeDocument/2006/relationships" xmlns:p="http://schemas.openxmlformats.org/presentationml/2006/main">
   <p:cSld>
     <p:spTree>
@@ -4543,7 +3645,7 @@
 </p:sld>
 </file>
 
-<file path=ppt/slides/slide8.xml><?xml version="1.0" encoding="utf-8"?>
+<file path=ppt/slides/slide13.xml><?xml version="1.0" encoding="utf-8"?>
 <p:sld xmlns:a="http://schemas.openxmlformats.org/drawingml/2006/main" xmlns:r="http://schemas.openxmlformats.org/officeDocument/2006/relationships" xmlns:p="http://schemas.openxmlformats.org/presentationml/2006/main">
   <p:cSld>
     <p:spTree>
@@ -4642,7 +3744,7 @@
 </p:sld>
 </file>
 
-<file path=ppt/slides/slide9.xml><?xml version="1.0" encoding="utf-8"?>
+<file path=ppt/slides/slide14.xml><?xml version="1.0" encoding="utf-8"?>
 <p:sld xmlns:a="http://schemas.openxmlformats.org/drawingml/2006/main" xmlns:r="http://schemas.openxmlformats.org/officeDocument/2006/relationships" xmlns:p="http://schemas.openxmlformats.org/presentationml/2006/main">
   <p:cSld>
     <p:spTree>
@@ -4771,6 +3873,1556 @@
     <p:extLst>
       <p:ext uri="{BB962C8B-B14F-4D97-AF65-F5344CB8AC3E}">
         <p14:creationId xmlns:p14="http://schemas.microsoft.com/office/powerpoint/2010/main" val="1312422760"/>
+      </p:ext>
+    </p:extLst>
+  </p:cSld>
+  <p:clrMapOvr>
+    <a:masterClrMapping/>
+  </p:clrMapOvr>
+  <p:timing>
+    <p:tnLst>
+      <p:par>
+        <p:cTn xmlns:p14="http://schemas.microsoft.com/office/powerpoint/2010/main" id="1" dur="indefinite" restart="never" nodeType="tmRoot"/>
+      </p:par>
+    </p:tnLst>
+  </p:timing>
+</p:sld>
+</file>
+
+<file path=ppt/slides/slide15.xml><?xml version="1.0" encoding="utf-8"?>
+<p:sld xmlns:a="http://schemas.openxmlformats.org/drawingml/2006/main" xmlns:r="http://schemas.openxmlformats.org/officeDocument/2006/relationships" xmlns:p="http://schemas.openxmlformats.org/presentationml/2006/main">
+  <p:cSld>
+    <p:spTree>
+      <p:nvGrpSpPr>
+        <p:cNvPr id="1" name=""/>
+        <p:cNvGrpSpPr/>
+        <p:nvPr/>
+      </p:nvGrpSpPr>
+      <p:grpSpPr>
+        <a:xfrm>
+          <a:off x="0" y="0"/>
+          <a:ext cx="0" cy="0"/>
+          <a:chOff x="0" y="0"/>
+          <a:chExt cx="0" cy="0"/>
+        </a:xfrm>
+      </p:grpSpPr>
+      <p:sp>
+        <p:nvSpPr>
+          <p:cNvPr id="2" name="Title 1"/>
+          <p:cNvSpPr>
+            <a:spLocks noGrp="1"/>
+          </p:cNvSpPr>
+          <p:nvPr>
+            <p:ph type="title"/>
+          </p:nvPr>
+        </p:nvSpPr>
+        <p:spPr/>
+        <p:txBody>
+          <a:bodyPr>
+            <a:normAutofit fontScale="90000"/>
+          </a:bodyPr>
+          <a:lstStyle/>
+          <a:p>
+            <a:r>
+              <a:rPr lang="en-US" dirty="0" smtClean="0"/>
+              <a:t>Where to get info:</a:t>
+            </a:r>
+            <a:br>
+              <a:rPr lang="en-US" dirty="0" smtClean="0"/>
+            </a:br>
+            <a:r>
+              <a:rPr lang="en-US" dirty="0" err="1" smtClean="0"/>
+              <a:t>stackoverflow</a:t>
+            </a:r>
+            <a:endParaRPr lang="en-US" dirty="0"/>
+          </a:p>
+        </p:txBody>
+      </p:sp>
+      <p:pic>
+        <p:nvPicPr>
+          <p:cNvPr id="6" name="Picture 5" descr="Stackoverflow.png"/>
+          <p:cNvPicPr>
+            <a:picLocks noChangeAspect="1"/>
+          </p:cNvPicPr>
+          <p:nvPr/>
+        </p:nvPicPr>
+        <p:blipFill>
+          <a:blip r:embed="rId2">
+            <a:extLst>
+              <a:ext uri="{28A0092B-C50C-407E-A947-70E740481C1C}">
+                <a14:useLocalDpi xmlns:a14="http://schemas.microsoft.com/office/drawing/2010/main" val="0"/>
+              </a:ext>
+            </a:extLst>
+          </a:blip>
+          <a:stretch>
+            <a:fillRect/>
+          </a:stretch>
+        </p:blipFill>
+        <p:spPr>
+          <a:xfrm>
+            <a:off x="0" y="1532721"/>
+            <a:ext cx="9144000" cy="6381985"/>
+          </a:xfrm>
+          <a:prstGeom prst="rect">
+            <a:avLst/>
+          </a:prstGeom>
+        </p:spPr>
+      </p:pic>
+      <p:sp>
+        <p:nvSpPr>
+          <p:cNvPr id="3" name="Right Arrow 2"/>
+          <p:cNvSpPr/>
+          <p:nvPr/>
+        </p:nvSpPr>
+        <p:spPr>
+          <a:xfrm>
+            <a:off x="4773987" y="1791755"/>
+            <a:ext cx="861813" cy="362887"/>
+          </a:xfrm>
+          <a:prstGeom prst="rightArrow">
+            <a:avLst/>
+          </a:prstGeom>
+          <a:solidFill>
+            <a:srgbClr val="FF0000"/>
+          </a:solidFill>
+          <a:ln>
+            <a:solidFill>
+              <a:srgbClr val="FF0000"/>
+            </a:solidFill>
+          </a:ln>
+        </p:spPr>
+        <p:style>
+          <a:lnRef idx="1">
+            <a:schemeClr val="accent1"/>
+          </a:lnRef>
+          <a:fillRef idx="3">
+            <a:schemeClr val="accent1"/>
+          </a:fillRef>
+          <a:effectRef idx="2">
+            <a:schemeClr val="accent1"/>
+          </a:effectRef>
+          <a:fontRef idx="minor">
+            <a:schemeClr val="lt1"/>
+          </a:fontRef>
+        </p:style>
+        <p:txBody>
+          <a:bodyPr rtlCol="0" anchor="ctr"/>
+          <a:lstStyle/>
+          <a:p>
+            <a:pPr algn="ctr"/>
+            <a:endParaRPr lang="en-US"/>
+          </a:p>
+        </p:txBody>
+      </p:sp>
+    </p:spTree>
+    <p:extLst>
+      <p:ext uri="{BB962C8B-B14F-4D97-AF65-F5344CB8AC3E}">
+        <p14:creationId xmlns:p14="http://schemas.microsoft.com/office/powerpoint/2010/main" val="1386901612"/>
+      </p:ext>
+    </p:extLst>
+  </p:cSld>
+  <p:clrMapOvr>
+    <a:masterClrMapping/>
+  </p:clrMapOvr>
+  <p:timing>
+    <p:tnLst>
+      <p:par>
+        <p:cTn xmlns:p14="http://schemas.microsoft.com/office/powerpoint/2010/main" id="1" dur="indefinite" restart="never" nodeType="tmRoot"/>
+      </p:par>
+    </p:tnLst>
+  </p:timing>
+</p:sld>
+</file>
+
+<file path=ppt/slides/slide16.xml><?xml version="1.0" encoding="utf-8"?>
+<p:sld xmlns:a="http://schemas.openxmlformats.org/drawingml/2006/main" xmlns:r="http://schemas.openxmlformats.org/officeDocument/2006/relationships" xmlns:p="http://schemas.openxmlformats.org/presentationml/2006/main">
+  <p:cSld>
+    <p:spTree>
+      <p:nvGrpSpPr>
+        <p:cNvPr id="1" name=""/>
+        <p:cNvGrpSpPr/>
+        <p:nvPr/>
+      </p:nvGrpSpPr>
+      <p:grpSpPr>
+        <a:xfrm>
+          <a:off x="0" y="0"/>
+          <a:ext cx="0" cy="0"/>
+          <a:chOff x="0" y="0"/>
+          <a:chExt cx="0" cy="0"/>
+        </a:xfrm>
+      </p:grpSpPr>
+      <p:sp>
+        <p:nvSpPr>
+          <p:cNvPr id="2" name="Title 1"/>
+          <p:cNvSpPr>
+            <a:spLocks noGrp="1"/>
+          </p:cNvSpPr>
+          <p:nvPr>
+            <p:ph type="title"/>
+          </p:nvPr>
+        </p:nvSpPr>
+        <p:spPr/>
+        <p:txBody>
+          <a:bodyPr>
+            <a:normAutofit fontScale="90000"/>
+          </a:bodyPr>
+          <a:lstStyle/>
+          <a:p>
+            <a:r>
+              <a:rPr lang="en-US" dirty="0" smtClean="0"/>
+              <a:t>Where to get info:</a:t>
+            </a:r>
+            <a:br>
+              <a:rPr lang="en-US" dirty="0" smtClean="0"/>
+            </a:br>
+            <a:r>
+              <a:rPr lang="en-US" dirty="0" err="1" smtClean="0"/>
+              <a:t>stackoverflow</a:t>
+            </a:r>
+            <a:endParaRPr lang="en-US" dirty="0"/>
+          </a:p>
+        </p:txBody>
+      </p:sp>
+      <p:pic>
+        <p:nvPicPr>
+          <p:cNvPr id="4" name="Picture 3" descr="SearchArchSetup.png"/>
+          <p:cNvPicPr>
+            <a:picLocks noChangeAspect="1"/>
+          </p:cNvPicPr>
+          <p:nvPr/>
+        </p:nvPicPr>
+        <p:blipFill>
+          <a:blip r:embed="rId2">
+            <a:extLst>
+              <a:ext uri="{28A0092B-C50C-407E-A947-70E740481C1C}">
+                <a14:useLocalDpi xmlns:a14="http://schemas.microsoft.com/office/drawing/2010/main" val="0"/>
+              </a:ext>
+            </a:extLst>
+          </a:blip>
+          <a:stretch>
+            <a:fillRect/>
+          </a:stretch>
+        </p:blipFill>
+        <p:spPr>
+          <a:xfrm>
+            <a:off x="6118860" y="1508358"/>
+            <a:ext cx="2567940" cy="5920740"/>
+          </a:xfrm>
+          <a:prstGeom prst="rect">
+            <a:avLst/>
+          </a:prstGeom>
+        </p:spPr>
+      </p:pic>
+      <p:pic>
+        <p:nvPicPr>
+          <p:cNvPr id="5" name="Picture 4" descr="StackoveflowSetup.png"/>
+          <p:cNvPicPr>
+            <a:picLocks noChangeAspect="1"/>
+          </p:cNvPicPr>
+          <p:nvPr/>
+        </p:nvPicPr>
+        <p:blipFill>
+          <a:blip r:embed="rId3">
+            <a:extLst>
+              <a:ext uri="{28A0092B-C50C-407E-A947-70E740481C1C}">
+                <a14:useLocalDpi xmlns:a14="http://schemas.microsoft.com/office/drawing/2010/main" val="0"/>
+              </a:ext>
+            </a:extLst>
+          </a:blip>
+          <a:stretch>
+            <a:fillRect/>
+          </a:stretch>
+        </p:blipFill>
+        <p:spPr>
+          <a:xfrm>
+            <a:off x="1754836" y="1508358"/>
+            <a:ext cx="2423160" cy="5882640"/>
+          </a:xfrm>
+          <a:prstGeom prst="rect">
+            <a:avLst/>
+          </a:prstGeom>
+        </p:spPr>
+      </p:pic>
+      <p:sp>
+        <p:nvSpPr>
+          <p:cNvPr id="7" name="Right Arrow Callout 6"/>
+          <p:cNvSpPr/>
+          <p:nvPr/>
+        </p:nvSpPr>
+        <p:spPr>
+          <a:xfrm>
+            <a:off x="79378" y="2268045"/>
+            <a:ext cx="1576210" cy="601031"/>
+          </a:xfrm>
+          <a:prstGeom prst="rightArrowCallout">
+            <a:avLst/>
+          </a:prstGeom>
+          <a:solidFill>
+            <a:srgbClr val="FF0000"/>
+          </a:solidFill>
+          <a:ln>
+            <a:solidFill>
+              <a:srgbClr val="FF0000"/>
+            </a:solidFill>
+          </a:ln>
+        </p:spPr>
+        <p:style>
+          <a:lnRef idx="1">
+            <a:schemeClr val="accent1"/>
+          </a:lnRef>
+          <a:fillRef idx="3">
+            <a:schemeClr val="accent1"/>
+          </a:fillRef>
+          <a:effectRef idx="2">
+            <a:schemeClr val="accent1"/>
+          </a:effectRef>
+          <a:fontRef idx="minor">
+            <a:schemeClr val="lt1"/>
+          </a:fontRef>
+        </p:style>
+        <p:txBody>
+          <a:bodyPr rtlCol="0" anchor="ctr"/>
+          <a:lstStyle/>
+          <a:p>
+            <a:pPr algn="ctr"/>
+            <a:r>
+              <a:rPr lang="en-US" dirty="0" smtClean="0"/>
+              <a:t>Question</a:t>
+            </a:r>
+            <a:endParaRPr lang="en-US" dirty="0"/>
+          </a:p>
+        </p:txBody>
+      </p:sp>
+      <p:sp>
+        <p:nvSpPr>
+          <p:cNvPr id="8" name="Right Arrow Callout 7"/>
+          <p:cNvSpPr/>
+          <p:nvPr/>
+        </p:nvSpPr>
+        <p:spPr>
+          <a:xfrm>
+            <a:off x="73018" y="4586385"/>
+            <a:ext cx="1576210" cy="601031"/>
+          </a:xfrm>
+          <a:prstGeom prst="rightArrowCallout">
+            <a:avLst/>
+          </a:prstGeom>
+          <a:solidFill>
+            <a:srgbClr val="FF0000"/>
+          </a:solidFill>
+          <a:ln>
+            <a:solidFill>
+              <a:srgbClr val="FF0000"/>
+            </a:solidFill>
+          </a:ln>
+        </p:spPr>
+        <p:style>
+          <a:lnRef idx="1">
+            <a:schemeClr val="accent1"/>
+          </a:lnRef>
+          <a:fillRef idx="3">
+            <a:schemeClr val="accent1"/>
+          </a:fillRef>
+          <a:effectRef idx="2">
+            <a:schemeClr val="accent1"/>
+          </a:effectRef>
+          <a:fontRef idx="minor">
+            <a:schemeClr val="lt1"/>
+          </a:fontRef>
+        </p:style>
+        <p:txBody>
+          <a:bodyPr rtlCol="0" anchor="ctr"/>
+          <a:lstStyle/>
+          <a:p>
+            <a:pPr algn="ctr"/>
+            <a:r>
+              <a:rPr lang="en-US" dirty="0" smtClean="0"/>
+              <a:t>Best answer</a:t>
+            </a:r>
+            <a:endParaRPr lang="en-US" dirty="0"/>
+          </a:p>
+        </p:txBody>
+      </p:sp>
+      <p:sp>
+        <p:nvSpPr>
+          <p:cNvPr id="9" name="Right Arrow Callout 8"/>
+          <p:cNvSpPr/>
+          <p:nvPr/>
+        </p:nvSpPr>
+        <p:spPr>
+          <a:xfrm>
+            <a:off x="4438829" y="2273025"/>
+            <a:ext cx="1576210" cy="601031"/>
+          </a:xfrm>
+          <a:prstGeom prst="rightArrowCallout">
+            <a:avLst/>
+          </a:prstGeom>
+          <a:solidFill>
+            <a:srgbClr val="FF0000"/>
+          </a:solidFill>
+          <a:ln>
+            <a:solidFill>
+              <a:srgbClr val="FF0000"/>
+            </a:solidFill>
+          </a:ln>
+        </p:spPr>
+        <p:style>
+          <a:lnRef idx="1">
+            <a:schemeClr val="accent1"/>
+          </a:lnRef>
+          <a:fillRef idx="3">
+            <a:schemeClr val="accent1"/>
+          </a:fillRef>
+          <a:effectRef idx="2">
+            <a:schemeClr val="accent1"/>
+          </a:effectRef>
+          <a:fontRef idx="minor">
+            <a:schemeClr val="lt1"/>
+          </a:fontRef>
+        </p:style>
+        <p:txBody>
+          <a:bodyPr rtlCol="0" anchor="ctr"/>
+          <a:lstStyle/>
+          <a:p>
+            <a:pPr algn="ctr"/>
+            <a:r>
+              <a:rPr lang="en-US" dirty="0" smtClean="0"/>
+              <a:t>Question</a:t>
+            </a:r>
+            <a:endParaRPr lang="en-US" dirty="0"/>
+          </a:p>
+        </p:txBody>
+      </p:sp>
+      <p:sp>
+        <p:nvSpPr>
+          <p:cNvPr id="10" name="Right Arrow Callout 9"/>
+          <p:cNvSpPr/>
+          <p:nvPr/>
+        </p:nvSpPr>
+        <p:spPr>
+          <a:xfrm rot="5400000">
+            <a:off x="4432469" y="5691375"/>
+            <a:ext cx="1576210" cy="601031"/>
+          </a:xfrm>
+          <a:prstGeom prst="rightArrowCallout">
+            <a:avLst/>
+          </a:prstGeom>
+          <a:solidFill>
+            <a:srgbClr val="FF0000"/>
+          </a:solidFill>
+          <a:ln>
+            <a:solidFill>
+              <a:srgbClr val="FF0000"/>
+            </a:solidFill>
+          </a:ln>
+        </p:spPr>
+        <p:style>
+          <a:lnRef idx="1">
+            <a:schemeClr val="accent1"/>
+          </a:lnRef>
+          <a:fillRef idx="3">
+            <a:schemeClr val="accent1"/>
+          </a:fillRef>
+          <a:effectRef idx="2">
+            <a:schemeClr val="accent1"/>
+          </a:effectRef>
+          <a:fontRef idx="minor">
+            <a:schemeClr val="lt1"/>
+          </a:fontRef>
+        </p:style>
+        <p:txBody>
+          <a:bodyPr rtlCol="0" anchor="ctr"/>
+          <a:lstStyle/>
+          <a:p>
+            <a:pPr algn="ctr"/>
+            <a:r>
+              <a:rPr lang="en-US" dirty="0" smtClean="0"/>
+              <a:t>Best answer</a:t>
+            </a:r>
+            <a:endParaRPr lang="en-US" dirty="0"/>
+          </a:p>
+        </p:txBody>
+      </p:sp>
+    </p:spTree>
+    <p:extLst>
+      <p:ext uri="{BB962C8B-B14F-4D97-AF65-F5344CB8AC3E}">
+        <p14:creationId xmlns:p14="http://schemas.microsoft.com/office/powerpoint/2010/main" val="1630884577"/>
+      </p:ext>
+    </p:extLst>
+  </p:cSld>
+  <p:clrMapOvr>
+    <a:masterClrMapping/>
+  </p:clrMapOvr>
+  <p:timing>
+    <p:tnLst>
+      <p:par>
+        <p:cTn xmlns:p14="http://schemas.microsoft.com/office/powerpoint/2010/main" id="1" dur="indefinite" restart="never" nodeType="tmRoot"/>
+      </p:par>
+    </p:tnLst>
+  </p:timing>
+</p:sld>
+</file>
+
+<file path=ppt/slides/slide17.xml><?xml version="1.0" encoding="utf-8"?>
+<p:sld xmlns:a="http://schemas.openxmlformats.org/drawingml/2006/main" xmlns:r="http://schemas.openxmlformats.org/officeDocument/2006/relationships" xmlns:p="http://schemas.openxmlformats.org/presentationml/2006/main">
+  <p:cSld>
+    <p:spTree>
+      <p:nvGrpSpPr>
+        <p:cNvPr id="1" name=""/>
+        <p:cNvGrpSpPr/>
+        <p:nvPr/>
+      </p:nvGrpSpPr>
+      <p:grpSpPr>
+        <a:xfrm>
+          <a:off x="0" y="0"/>
+          <a:ext cx="0" cy="0"/>
+          <a:chOff x="0" y="0"/>
+          <a:chExt cx="0" cy="0"/>
+        </a:xfrm>
+      </p:grpSpPr>
+      <p:sp>
+        <p:nvSpPr>
+          <p:cNvPr id="2" name="Title 1"/>
+          <p:cNvSpPr>
+            <a:spLocks noGrp="1"/>
+          </p:cNvSpPr>
+          <p:nvPr>
+            <p:ph type="title"/>
+          </p:nvPr>
+        </p:nvSpPr>
+        <p:spPr/>
+        <p:txBody>
+          <a:bodyPr>
+            <a:normAutofit fontScale="90000"/>
+          </a:bodyPr>
+          <a:lstStyle/>
+          <a:p>
+            <a:r>
+              <a:rPr lang="en-US" dirty="0" smtClean="0"/>
+              <a:t>Where to get info:</a:t>
+            </a:r>
+            <a:br>
+              <a:rPr lang="en-US" dirty="0" smtClean="0"/>
+            </a:br>
+            <a:r>
+              <a:rPr lang="en-US" dirty="0" err="1" smtClean="0"/>
+              <a:t>Bivand</a:t>
+            </a:r>
+            <a:r>
+              <a:rPr lang="en-US" dirty="0" smtClean="0"/>
+              <a:t> et al. (2013) Book</a:t>
+            </a:r>
+            <a:endParaRPr lang="en-US" dirty="0"/>
+          </a:p>
+        </p:txBody>
+      </p:sp>
+      <p:pic>
+        <p:nvPicPr>
+          <p:cNvPr id="4" name="Picture 3" descr="BivandBook.jpg"/>
+          <p:cNvPicPr>
+            <a:picLocks noChangeAspect="1"/>
+          </p:cNvPicPr>
+          <p:nvPr/>
+        </p:nvPicPr>
+        <p:blipFill>
+          <a:blip r:embed="rId2">
+            <a:extLst>
+              <a:ext uri="{28A0092B-C50C-407E-A947-70E740481C1C}">
+                <a14:useLocalDpi xmlns:a14="http://schemas.microsoft.com/office/drawing/2010/main" val="0"/>
+              </a:ext>
+            </a:extLst>
+          </a:blip>
+          <a:stretch>
+            <a:fillRect/>
+          </a:stretch>
+        </p:blipFill>
+        <p:spPr>
+          <a:xfrm>
+            <a:off x="1744694" y="2374357"/>
+            <a:ext cx="2324100" cy="3492500"/>
+          </a:xfrm>
+          <a:prstGeom prst="rect">
+            <a:avLst/>
+          </a:prstGeom>
+        </p:spPr>
+      </p:pic>
+      <p:sp>
+        <p:nvSpPr>
+          <p:cNvPr id="5" name="TextBox 4"/>
+          <p:cNvSpPr txBox="1"/>
+          <p:nvPr/>
+        </p:nvSpPr>
+        <p:spPr>
+          <a:xfrm>
+            <a:off x="4690698" y="2723176"/>
+            <a:ext cx="3226289" cy="646331"/>
+          </a:xfrm>
+          <a:prstGeom prst="rect">
+            <a:avLst/>
+          </a:prstGeom>
+          <a:noFill/>
+        </p:spPr>
+        <p:txBody>
+          <a:bodyPr wrap="none" rtlCol="0">
+            <a:spAutoFit/>
+          </a:bodyPr>
+          <a:lstStyle/>
+          <a:p>
+            <a:pPr algn="ctr"/>
+            <a:r>
+              <a:rPr lang="en-US" dirty="0" smtClean="0"/>
+              <a:t>Online version available through</a:t>
+            </a:r>
+          </a:p>
+          <a:p>
+            <a:pPr algn="ctr"/>
+            <a:r>
+              <a:rPr lang="en-US" dirty="0" smtClean="0"/>
+              <a:t>Dalhousie’s library</a:t>
+            </a:r>
+            <a:endParaRPr lang="en-US" dirty="0"/>
+          </a:p>
+        </p:txBody>
+      </p:sp>
+      <p:sp>
+        <p:nvSpPr>
+          <p:cNvPr id="6" name="TextBox 5"/>
+          <p:cNvSpPr txBox="1"/>
+          <p:nvPr/>
+        </p:nvSpPr>
+        <p:spPr>
+          <a:xfrm>
+            <a:off x="5195653" y="3733726"/>
+            <a:ext cx="2269484" cy="646331"/>
+          </a:xfrm>
+          <a:prstGeom prst="rect">
+            <a:avLst/>
+          </a:prstGeom>
+          <a:noFill/>
+        </p:spPr>
+        <p:txBody>
+          <a:bodyPr wrap="none" rtlCol="0">
+            <a:spAutoFit/>
+          </a:bodyPr>
+          <a:lstStyle/>
+          <a:p>
+            <a:pPr algn="ctr"/>
+            <a:r>
+              <a:rPr lang="en-US" dirty="0" smtClean="0"/>
+              <a:t>Mainly for vector data</a:t>
+            </a:r>
+            <a:br>
+              <a:rPr lang="en-US" dirty="0" smtClean="0"/>
+            </a:br>
+            <a:r>
+              <a:rPr lang="en-US" dirty="0" smtClean="0"/>
+              <a:t>(not much on </a:t>
+            </a:r>
+            <a:r>
+              <a:rPr lang="en-US" dirty="0" err="1" smtClean="0"/>
+              <a:t>rasters</a:t>
+            </a:r>
+            <a:r>
+              <a:rPr lang="en-US" dirty="0" smtClean="0"/>
+              <a:t>)</a:t>
+            </a:r>
+            <a:endParaRPr lang="en-US" dirty="0"/>
+          </a:p>
+        </p:txBody>
+      </p:sp>
+    </p:spTree>
+    <p:extLst>
+      <p:ext uri="{BB962C8B-B14F-4D97-AF65-F5344CB8AC3E}">
+        <p14:creationId xmlns:p14="http://schemas.microsoft.com/office/powerpoint/2010/main" val="2781339485"/>
+      </p:ext>
+    </p:extLst>
+  </p:cSld>
+  <p:clrMapOvr>
+    <a:masterClrMapping/>
+  </p:clrMapOvr>
+</p:sld>
+</file>
+
+<file path=ppt/slides/slide2.xml><?xml version="1.0" encoding="utf-8"?>
+<p:sld xmlns:a="http://schemas.openxmlformats.org/drawingml/2006/main" xmlns:r="http://schemas.openxmlformats.org/officeDocument/2006/relationships" xmlns:p="http://schemas.openxmlformats.org/presentationml/2006/main">
+  <p:cSld>
+    <p:spTree>
+      <p:nvGrpSpPr>
+        <p:cNvPr id="1" name=""/>
+        <p:cNvGrpSpPr/>
+        <p:nvPr/>
+      </p:nvGrpSpPr>
+      <p:grpSpPr>
+        <a:xfrm>
+          <a:off x="0" y="0"/>
+          <a:ext cx="0" cy="0"/>
+          <a:chOff x="0" y="0"/>
+          <a:chExt cx="0" cy="0"/>
+        </a:xfrm>
+      </p:grpSpPr>
+      <p:sp>
+        <p:nvSpPr>
+          <p:cNvPr id="2" name="Title 1"/>
+          <p:cNvSpPr>
+            <a:spLocks noGrp="1"/>
+          </p:cNvSpPr>
+          <p:nvPr>
+            <p:ph type="title"/>
+          </p:nvPr>
+        </p:nvSpPr>
+        <p:spPr/>
+        <p:txBody>
+          <a:bodyPr/>
+          <a:lstStyle/>
+          <a:p>
+            <a:r>
+              <a:rPr lang="en-US" dirty="0" smtClean="0"/>
+              <a:t>What is GIS?</a:t>
+            </a:r>
+            <a:endParaRPr lang="en-US" dirty="0"/>
+          </a:p>
+        </p:txBody>
+      </p:sp>
+      <p:sp>
+        <p:nvSpPr>
+          <p:cNvPr id="3" name="Content Placeholder 2"/>
+          <p:cNvSpPr>
+            <a:spLocks noGrp="1"/>
+          </p:cNvSpPr>
+          <p:nvPr>
+            <p:ph idx="1"/>
+          </p:nvPr>
+        </p:nvSpPr>
+        <p:spPr/>
+        <p:txBody>
+          <a:bodyPr/>
+          <a:lstStyle/>
+          <a:p>
+            <a:r>
+              <a:rPr lang="en-US" dirty="0" smtClean="0"/>
+              <a:t>Geographical Information System (GIS):</a:t>
+            </a:r>
+          </a:p>
+          <a:p>
+            <a:pPr lvl="1"/>
+            <a:r>
+              <a:rPr lang="en-US" dirty="0" smtClean="0"/>
+              <a:t>Store and </a:t>
+            </a:r>
+            <a:r>
+              <a:rPr lang="en-CA" dirty="0" smtClean="0"/>
+              <a:t>analyse</a:t>
+            </a:r>
+            <a:r>
+              <a:rPr lang="en-US" dirty="0" smtClean="0"/>
+              <a:t> spatial data</a:t>
+            </a:r>
+          </a:p>
+          <a:p>
+            <a:pPr lvl="1"/>
+            <a:r>
+              <a:rPr lang="en-US" dirty="0" smtClean="0"/>
+              <a:t>Set of tools to handle </a:t>
+            </a:r>
+            <a:r>
+              <a:rPr lang="en-US" dirty="0"/>
+              <a:t>data referenced to </a:t>
+            </a:r>
+            <a:r>
+              <a:rPr lang="en-US" dirty="0" smtClean="0"/>
+              <a:t>Earth, e.g. tools to:</a:t>
+            </a:r>
+          </a:p>
+          <a:p>
+            <a:pPr lvl="2"/>
+            <a:r>
+              <a:rPr lang="en-US" dirty="0" smtClean="0"/>
+              <a:t>Store</a:t>
+            </a:r>
+          </a:p>
+          <a:p>
+            <a:pPr lvl="2"/>
+            <a:r>
+              <a:rPr lang="en-US" dirty="0" smtClean="0"/>
+              <a:t>Retrieve</a:t>
+            </a:r>
+          </a:p>
+          <a:p>
+            <a:pPr lvl="2"/>
+            <a:r>
+              <a:rPr lang="en-US" dirty="0" smtClean="0"/>
+              <a:t>Transform</a:t>
+            </a:r>
+          </a:p>
+          <a:p>
+            <a:pPr lvl="2"/>
+            <a:r>
+              <a:rPr lang="en-CA" dirty="0" smtClean="0"/>
+              <a:t>Visualise</a:t>
+            </a:r>
+            <a:endParaRPr lang="en-CA" dirty="0"/>
+          </a:p>
+        </p:txBody>
+      </p:sp>
+    </p:spTree>
+    <p:extLst>
+      <p:ext uri="{BB962C8B-B14F-4D97-AF65-F5344CB8AC3E}">
+        <p14:creationId xmlns:p14="http://schemas.microsoft.com/office/powerpoint/2010/main" val="1314842280"/>
+      </p:ext>
+    </p:extLst>
+  </p:cSld>
+  <p:clrMapOvr>
+    <a:masterClrMapping/>
+  </p:clrMapOvr>
+</p:sld>
+</file>
+
+<file path=ppt/slides/slide3.xml><?xml version="1.0" encoding="utf-8"?>
+<p:sld xmlns:a="http://schemas.openxmlformats.org/drawingml/2006/main" xmlns:r="http://schemas.openxmlformats.org/officeDocument/2006/relationships" xmlns:p="http://schemas.openxmlformats.org/presentationml/2006/main">
+  <p:cSld>
+    <p:spTree>
+      <p:nvGrpSpPr>
+        <p:cNvPr id="1" name=""/>
+        <p:cNvGrpSpPr/>
+        <p:nvPr/>
+      </p:nvGrpSpPr>
+      <p:grpSpPr>
+        <a:xfrm>
+          <a:off x="0" y="0"/>
+          <a:ext cx="0" cy="0"/>
+          <a:chOff x="0" y="0"/>
+          <a:chExt cx="0" cy="0"/>
+        </a:xfrm>
+      </p:grpSpPr>
+      <p:sp>
+        <p:nvSpPr>
+          <p:cNvPr id="2" name="Title 1"/>
+          <p:cNvSpPr>
+            <a:spLocks noGrp="1"/>
+          </p:cNvSpPr>
+          <p:nvPr>
+            <p:ph type="title"/>
+          </p:nvPr>
+        </p:nvSpPr>
+        <p:spPr/>
+        <p:txBody>
+          <a:bodyPr/>
+          <a:lstStyle/>
+          <a:p>
+            <a:r>
+              <a:rPr lang="en-US" dirty="0" smtClean="0"/>
+              <a:t>GIS in R</a:t>
+            </a:r>
+            <a:endParaRPr lang="en-US" dirty="0"/>
+          </a:p>
+        </p:txBody>
+      </p:sp>
+      <p:sp>
+        <p:nvSpPr>
+          <p:cNvPr id="3" name="Content Placeholder 2"/>
+          <p:cNvSpPr>
+            <a:spLocks noGrp="1"/>
+          </p:cNvSpPr>
+          <p:nvPr>
+            <p:ph idx="1"/>
+          </p:nvPr>
+        </p:nvSpPr>
+        <p:spPr/>
+        <p:txBody>
+          <a:bodyPr/>
+          <a:lstStyle/>
+          <a:p>
+            <a:r>
+              <a:rPr lang="en-CA" dirty="0" smtClean="0"/>
+              <a:t>R can be used to:</a:t>
+            </a:r>
+          </a:p>
+          <a:p>
+            <a:pPr lvl="1"/>
+            <a:r>
+              <a:rPr lang="en-CA" dirty="0" smtClean="0"/>
+              <a:t>Analyse spatial data, including:</a:t>
+            </a:r>
+          </a:p>
+          <a:p>
+            <a:pPr lvl="2"/>
+            <a:r>
+              <a:rPr lang="en-CA" dirty="0" smtClean="0"/>
+              <a:t>retrieve, transform, and statistical analyses</a:t>
+            </a:r>
+          </a:p>
+          <a:p>
+            <a:pPr lvl="1"/>
+            <a:r>
+              <a:rPr lang="en-CA" dirty="0" smtClean="0"/>
+              <a:t>Visualise spatial data</a:t>
+            </a:r>
+          </a:p>
+          <a:p>
+            <a:r>
+              <a:rPr lang="en-CA" dirty="0" smtClean="0"/>
+              <a:t>R doesn’t have a storage capacity per say</a:t>
+            </a:r>
+          </a:p>
+          <a:p>
+            <a:pPr lvl="1"/>
+            <a:r>
+              <a:rPr lang="en-CA" dirty="0" smtClean="0"/>
+              <a:t>No equivalent of Arc Catalogue or GIS database</a:t>
+            </a:r>
+          </a:p>
+          <a:p>
+            <a:pPr lvl="1"/>
+            <a:r>
+              <a:rPr lang="en-CA" dirty="0" smtClean="0"/>
+              <a:t>But can somewhat handle this with proper R practices, including using R Studio projects</a:t>
+            </a:r>
+            <a:endParaRPr lang="en-CA" dirty="0"/>
+          </a:p>
+        </p:txBody>
+      </p:sp>
+    </p:spTree>
+    <p:extLst>
+      <p:ext uri="{BB962C8B-B14F-4D97-AF65-F5344CB8AC3E}">
+        <p14:creationId xmlns:p14="http://schemas.microsoft.com/office/powerpoint/2010/main" val="4250084679"/>
+      </p:ext>
+    </p:extLst>
+  </p:cSld>
+  <p:clrMapOvr>
+    <a:masterClrMapping/>
+  </p:clrMapOvr>
+</p:sld>
+</file>
+
+<file path=ppt/slides/slide4.xml><?xml version="1.0" encoding="utf-8"?>
+<p:sld xmlns:a="http://schemas.openxmlformats.org/drawingml/2006/main" xmlns:r="http://schemas.openxmlformats.org/officeDocument/2006/relationships" xmlns:p="http://schemas.openxmlformats.org/presentationml/2006/main">
+  <p:cSld>
+    <p:spTree>
+      <p:nvGrpSpPr>
+        <p:cNvPr id="1" name=""/>
+        <p:cNvGrpSpPr/>
+        <p:nvPr/>
+      </p:nvGrpSpPr>
+      <p:grpSpPr>
+        <a:xfrm>
+          <a:off x="0" y="0"/>
+          <a:ext cx="0" cy="0"/>
+          <a:chOff x="0" y="0"/>
+          <a:chExt cx="0" cy="0"/>
+        </a:xfrm>
+      </p:grpSpPr>
+      <p:sp>
+        <p:nvSpPr>
+          <p:cNvPr id="2" name="Title 1"/>
+          <p:cNvSpPr>
+            <a:spLocks noGrp="1"/>
+          </p:cNvSpPr>
+          <p:nvPr>
+            <p:ph type="title"/>
+          </p:nvPr>
+        </p:nvSpPr>
+        <p:spPr/>
+        <p:txBody>
+          <a:bodyPr/>
+          <a:lstStyle/>
+          <a:p>
+            <a:r>
+              <a:rPr lang="en-US" dirty="0" smtClean="0"/>
+              <a:t>What is spatial data?</a:t>
+            </a:r>
+            <a:endParaRPr lang="en-US" dirty="0"/>
+          </a:p>
+        </p:txBody>
+      </p:sp>
+      <p:sp>
+        <p:nvSpPr>
+          <p:cNvPr id="3" name="Content Placeholder 2"/>
+          <p:cNvSpPr>
+            <a:spLocks noGrp="1"/>
+          </p:cNvSpPr>
+          <p:nvPr>
+            <p:ph idx="1"/>
+          </p:nvPr>
+        </p:nvSpPr>
+        <p:spPr/>
+        <p:txBody>
+          <a:bodyPr>
+            <a:normAutofit/>
+          </a:bodyPr>
+          <a:lstStyle/>
+          <a:p>
+            <a:r>
+              <a:rPr lang="en-US" dirty="0" smtClean="0"/>
+              <a:t>Spatial data is referenced with respect to their location on Earth</a:t>
+            </a:r>
+          </a:p>
+          <a:p>
+            <a:r>
+              <a:rPr lang="en-US" dirty="0" smtClean="0"/>
+              <a:t>For this you need as set of information, e.g.:</a:t>
+            </a:r>
+          </a:p>
+          <a:p>
+            <a:pPr marL="971550" lvl="1" indent="-514350">
+              <a:buFont typeface="+mj-lt"/>
+              <a:buAutoNum type="arabicPeriod"/>
+            </a:pPr>
+            <a:r>
+              <a:rPr lang="en-US" dirty="0" smtClean="0"/>
+              <a:t>Longitude (</a:t>
+            </a:r>
+            <a:r>
+              <a:rPr lang="en-US" baseline="30000" dirty="0" smtClean="0"/>
+              <a:t>o</a:t>
+            </a:r>
+            <a:r>
+              <a:rPr lang="en-US" dirty="0" smtClean="0"/>
+              <a:t>) with respect to </a:t>
+            </a:r>
+            <a:r>
+              <a:rPr lang="en-US" dirty="0"/>
+              <a:t>prime meridian </a:t>
+            </a:r>
+            <a:r>
+              <a:rPr lang="en-US" dirty="0" smtClean="0"/>
+              <a:t>(e.g., Greenwich)</a:t>
+            </a:r>
+          </a:p>
+          <a:p>
+            <a:pPr marL="971550" lvl="1" indent="-514350">
+              <a:buFont typeface="+mj-lt"/>
+              <a:buAutoNum type="arabicPeriod"/>
+            </a:pPr>
+            <a:r>
+              <a:rPr lang="en-US" dirty="0" smtClean="0"/>
+              <a:t>Latitude with </a:t>
+            </a:r>
+            <a:r>
+              <a:rPr lang="en-US" dirty="0"/>
+              <a:t>respect </a:t>
+            </a:r>
+            <a:r>
+              <a:rPr lang="en-US" dirty="0" smtClean="0"/>
+              <a:t>to the equator</a:t>
+            </a:r>
+          </a:p>
+          <a:p>
+            <a:pPr marL="971550" lvl="1" indent="-514350">
+              <a:buFont typeface="+mj-lt"/>
+              <a:buAutoNum type="arabicPeriod"/>
+            </a:pPr>
+            <a:r>
+              <a:rPr lang="en-US" dirty="0" smtClean="0"/>
+              <a:t>Earth shape model (e.g., WGS84).</a:t>
+            </a:r>
+          </a:p>
+          <a:p>
+            <a:endParaRPr lang="en-US" dirty="0"/>
+          </a:p>
+        </p:txBody>
+      </p:sp>
+    </p:spTree>
+    <p:extLst>
+      <p:ext uri="{BB962C8B-B14F-4D97-AF65-F5344CB8AC3E}">
+        <p14:creationId xmlns:p14="http://schemas.microsoft.com/office/powerpoint/2010/main" val="2369219848"/>
+      </p:ext>
+    </p:extLst>
+  </p:cSld>
+  <p:clrMapOvr>
+    <a:masterClrMapping/>
+  </p:clrMapOvr>
+</p:sld>
+</file>
+
+<file path=ppt/slides/slide5.xml><?xml version="1.0" encoding="utf-8"?>
+<p:sld xmlns:a="http://schemas.openxmlformats.org/drawingml/2006/main" xmlns:r="http://schemas.openxmlformats.org/officeDocument/2006/relationships" xmlns:p="http://schemas.openxmlformats.org/presentationml/2006/main">
+  <p:cSld>
+    <p:spTree>
+      <p:nvGrpSpPr>
+        <p:cNvPr id="1" name=""/>
+        <p:cNvGrpSpPr/>
+        <p:nvPr/>
+      </p:nvGrpSpPr>
+      <p:grpSpPr>
+        <a:xfrm>
+          <a:off x="0" y="0"/>
+          <a:ext cx="0" cy="0"/>
+          <a:chOff x="0" y="0"/>
+          <a:chExt cx="0" cy="0"/>
+        </a:xfrm>
+      </p:grpSpPr>
+      <p:sp>
+        <p:nvSpPr>
+          <p:cNvPr id="2" name="Title 1"/>
+          <p:cNvSpPr>
+            <a:spLocks noGrp="1"/>
+          </p:cNvSpPr>
+          <p:nvPr>
+            <p:ph type="title"/>
+          </p:nvPr>
+        </p:nvSpPr>
+        <p:spPr/>
+        <p:txBody>
+          <a:bodyPr/>
+          <a:lstStyle/>
+          <a:p>
+            <a:r>
+              <a:rPr lang="en-US" dirty="0" smtClean="0"/>
+              <a:t>A spherical Earth on </a:t>
+            </a:r>
+            <a:r>
+              <a:rPr lang="en-US" smtClean="0"/>
+              <a:t>a flat map</a:t>
+            </a:r>
+            <a:endParaRPr lang="en-US"/>
+          </a:p>
+        </p:txBody>
+      </p:sp>
+      <p:sp>
+        <p:nvSpPr>
+          <p:cNvPr id="3" name="Content Placeholder 2"/>
+          <p:cNvSpPr>
+            <a:spLocks noGrp="1"/>
+          </p:cNvSpPr>
+          <p:nvPr>
+            <p:ph idx="1"/>
+          </p:nvPr>
+        </p:nvSpPr>
+        <p:spPr/>
+        <p:txBody>
+          <a:bodyPr/>
+          <a:lstStyle/>
+          <a:p>
+            <a:endParaRPr lang="en-US"/>
+          </a:p>
+        </p:txBody>
+      </p:sp>
+    </p:spTree>
+    <p:extLst>
+      <p:ext uri="{BB962C8B-B14F-4D97-AF65-F5344CB8AC3E}">
+        <p14:creationId xmlns:p14="http://schemas.microsoft.com/office/powerpoint/2010/main" val="779062019"/>
+      </p:ext>
+    </p:extLst>
+  </p:cSld>
+  <p:clrMapOvr>
+    <a:masterClrMapping/>
+  </p:clrMapOvr>
+</p:sld>
+</file>
+
+<file path=ppt/slides/slide6.xml><?xml version="1.0" encoding="utf-8"?>
+<p:sld xmlns:a="http://schemas.openxmlformats.org/drawingml/2006/main" xmlns:r="http://schemas.openxmlformats.org/officeDocument/2006/relationships" xmlns:p="http://schemas.openxmlformats.org/presentationml/2006/main">
+  <p:cSld>
+    <p:spTree>
+      <p:nvGrpSpPr>
+        <p:cNvPr id="1" name=""/>
+        <p:cNvGrpSpPr/>
+        <p:nvPr/>
+      </p:nvGrpSpPr>
+      <p:grpSpPr>
+        <a:xfrm>
+          <a:off x="0" y="0"/>
+          <a:ext cx="0" cy="0"/>
+          <a:chOff x="0" y="0"/>
+          <a:chExt cx="0" cy="0"/>
+        </a:xfrm>
+      </p:grpSpPr>
+      <p:sp>
+        <p:nvSpPr>
+          <p:cNvPr id="2" name="Title 1"/>
+          <p:cNvSpPr>
+            <a:spLocks noGrp="1"/>
+          </p:cNvSpPr>
+          <p:nvPr>
+            <p:ph type="title"/>
+          </p:nvPr>
+        </p:nvSpPr>
+        <p:spPr/>
+        <p:txBody>
+          <a:bodyPr/>
+          <a:lstStyle/>
+          <a:p>
+            <a:endParaRPr lang="en-US"/>
+          </a:p>
+        </p:txBody>
+      </p:sp>
+      <p:sp>
+        <p:nvSpPr>
+          <p:cNvPr id="3" name="Content Placeholder 2"/>
+          <p:cNvSpPr>
+            <a:spLocks noGrp="1"/>
+          </p:cNvSpPr>
+          <p:nvPr>
+            <p:ph idx="1"/>
+          </p:nvPr>
+        </p:nvSpPr>
+        <p:spPr/>
+        <p:txBody>
+          <a:bodyPr/>
+          <a:lstStyle/>
+          <a:p>
+            <a:endParaRPr lang="en-US"/>
+          </a:p>
+        </p:txBody>
+      </p:sp>
+    </p:spTree>
+    <p:extLst>
+      <p:ext uri="{BB962C8B-B14F-4D97-AF65-F5344CB8AC3E}">
+        <p14:creationId xmlns:p14="http://schemas.microsoft.com/office/powerpoint/2010/main" val="1880129578"/>
+      </p:ext>
+    </p:extLst>
+  </p:cSld>
+  <p:clrMapOvr>
+    <a:masterClrMapping/>
+  </p:clrMapOvr>
+</p:sld>
+</file>
+
+<file path=ppt/slides/slide7.xml><?xml version="1.0" encoding="utf-8"?>
+<p:sld xmlns:a="http://schemas.openxmlformats.org/drawingml/2006/main" xmlns:r="http://schemas.openxmlformats.org/officeDocument/2006/relationships" xmlns:p="http://schemas.openxmlformats.org/presentationml/2006/main">
+  <p:cSld>
+    <p:spTree>
+      <p:nvGrpSpPr>
+        <p:cNvPr id="1" name=""/>
+        <p:cNvGrpSpPr/>
+        <p:nvPr/>
+      </p:nvGrpSpPr>
+      <p:grpSpPr>
+        <a:xfrm>
+          <a:off x="0" y="0"/>
+          <a:ext cx="0" cy="0"/>
+          <a:chOff x="0" y="0"/>
+          <a:chExt cx="0" cy="0"/>
+        </a:xfrm>
+      </p:grpSpPr>
+      <p:sp>
+        <p:nvSpPr>
+          <p:cNvPr id="2" name="Title 1"/>
+          <p:cNvSpPr>
+            <a:spLocks noGrp="1"/>
+          </p:cNvSpPr>
+          <p:nvPr>
+            <p:ph type="title"/>
+          </p:nvPr>
+        </p:nvSpPr>
+        <p:spPr/>
+        <p:txBody>
+          <a:bodyPr>
+            <a:normAutofit fontScale="90000"/>
+          </a:bodyPr>
+          <a:lstStyle/>
+          <a:p>
+            <a:r>
+              <a:rPr lang="en-US" dirty="0" smtClean="0"/>
+              <a:t>Where to get info:</a:t>
+            </a:r>
+            <a:br>
+              <a:rPr lang="en-US" dirty="0" smtClean="0"/>
+            </a:br>
+            <a:r>
+              <a:rPr lang="en-US" dirty="0" smtClean="0"/>
+              <a:t>CRAN spatial task view</a:t>
+            </a:r>
+            <a:endParaRPr lang="en-US" dirty="0"/>
+          </a:p>
+        </p:txBody>
+      </p:sp>
+      <p:sp>
+        <p:nvSpPr>
+          <p:cNvPr id="7" name="Content Placeholder 6"/>
+          <p:cNvSpPr>
+            <a:spLocks noGrp="1"/>
+          </p:cNvSpPr>
+          <p:nvPr>
+            <p:ph idx="1"/>
+          </p:nvPr>
+        </p:nvSpPr>
+        <p:spPr/>
+        <p:txBody>
+          <a:bodyPr/>
+          <a:lstStyle/>
+          <a:p>
+            <a:endParaRPr lang="en-US"/>
+          </a:p>
+        </p:txBody>
+      </p:sp>
+      <p:pic>
+        <p:nvPicPr>
+          <p:cNvPr id="8" name="Content Placeholder 5" descr="Screen Shot 2015-01-26 at 10.06.04 AM.png"/>
+          <p:cNvPicPr>
+            <a:picLocks noChangeAspect="1"/>
+          </p:cNvPicPr>
+          <p:nvPr/>
+        </p:nvPicPr>
+        <p:blipFill>
+          <a:blip r:embed="rId2">
+            <a:extLst>
+              <a:ext uri="{28A0092B-C50C-407E-A947-70E740481C1C}">
+                <a14:useLocalDpi xmlns:a14="http://schemas.microsoft.com/office/drawing/2010/main" val="0"/>
+              </a:ext>
+            </a:extLst>
+          </a:blip>
+          <a:srcRect l="-12713" r="-12713"/>
+          <a:stretch>
+            <a:fillRect/>
+          </a:stretch>
+        </p:blipFill>
+        <p:spPr>
+          <a:xfrm>
+            <a:off x="-600554" y="1576299"/>
+            <a:ext cx="10360051" cy="5697667"/>
+          </a:xfrm>
+          <a:prstGeom prst="rect">
+            <a:avLst/>
+          </a:prstGeom>
+        </p:spPr>
+      </p:pic>
+    </p:spTree>
+    <p:extLst>
+      <p:ext uri="{BB962C8B-B14F-4D97-AF65-F5344CB8AC3E}">
+        <p14:creationId xmlns:p14="http://schemas.microsoft.com/office/powerpoint/2010/main" val="3245247866"/>
+      </p:ext>
+    </p:extLst>
+  </p:cSld>
+  <p:clrMapOvr>
+    <a:masterClrMapping/>
+  </p:clrMapOvr>
+  <p:timing>
+    <p:tnLst>
+      <p:par>
+        <p:cTn xmlns:p14="http://schemas.microsoft.com/office/powerpoint/2010/main" id="1" dur="indefinite" restart="never" nodeType="tmRoot"/>
+      </p:par>
+    </p:tnLst>
+  </p:timing>
+</p:sld>
+</file>
+
+<file path=ppt/slides/slide8.xml><?xml version="1.0" encoding="utf-8"?>
+<p:sld xmlns:a="http://schemas.openxmlformats.org/drawingml/2006/main" xmlns:r="http://schemas.openxmlformats.org/officeDocument/2006/relationships" xmlns:p="http://schemas.openxmlformats.org/presentationml/2006/main">
+  <p:cSld>
+    <p:spTree>
+      <p:nvGrpSpPr>
+        <p:cNvPr id="1" name=""/>
+        <p:cNvGrpSpPr/>
+        <p:nvPr/>
+      </p:nvGrpSpPr>
+      <p:grpSpPr>
+        <a:xfrm>
+          <a:off x="0" y="0"/>
+          <a:ext cx="0" cy="0"/>
+          <a:chOff x="0" y="0"/>
+          <a:chExt cx="0" cy="0"/>
+        </a:xfrm>
+      </p:grpSpPr>
+      <p:sp>
+        <p:nvSpPr>
+          <p:cNvPr id="2" name="Title 1"/>
+          <p:cNvSpPr>
+            <a:spLocks noGrp="1"/>
+          </p:cNvSpPr>
+          <p:nvPr>
+            <p:ph type="title"/>
+          </p:nvPr>
+        </p:nvSpPr>
+        <p:spPr/>
+        <p:txBody>
+          <a:bodyPr>
+            <a:normAutofit fontScale="90000"/>
+          </a:bodyPr>
+          <a:lstStyle/>
+          <a:p>
+            <a:r>
+              <a:rPr lang="en-US" dirty="0" smtClean="0"/>
+              <a:t>Where to get info:</a:t>
+            </a:r>
+            <a:br>
+              <a:rPr lang="en-US" dirty="0" smtClean="0"/>
+            </a:br>
+            <a:r>
+              <a:rPr lang="en-US" dirty="0" smtClean="0"/>
+              <a:t>R-Sig-Geo mailing list</a:t>
+            </a:r>
+            <a:endParaRPr lang="en-US" dirty="0"/>
+          </a:p>
+        </p:txBody>
+      </p:sp>
+      <p:pic>
+        <p:nvPicPr>
+          <p:cNvPr id="7" name="Picture 6" descr="RSigGeo.png"/>
+          <p:cNvPicPr>
+            <a:picLocks noChangeAspect="1"/>
+          </p:cNvPicPr>
+          <p:nvPr/>
+        </p:nvPicPr>
+        <p:blipFill>
+          <a:blip r:embed="rId2">
+            <a:extLst>
+              <a:ext uri="{28A0092B-C50C-407E-A947-70E740481C1C}">
+                <a14:useLocalDpi xmlns:a14="http://schemas.microsoft.com/office/drawing/2010/main" val="0"/>
+              </a:ext>
+            </a:extLst>
+          </a:blip>
+          <a:stretch>
+            <a:fillRect/>
+          </a:stretch>
+        </p:blipFill>
+        <p:spPr>
+          <a:xfrm>
+            <a:off x="0" y="1531038"/>
+            <a:ext cx="9144000" cy="6384257"/>
+          </a:xfrm>
+          <a:prstGeom prst="rect">
+            <a:avLst/>
+          </a:prstGeom>
+        </p:spPr>
+      </p:pic>
+    </p:spTree>
+    <p:extLst>
+      <p:ext uri="{BB962C8B-B14F-4D97-AF65-F5344CB8AC3E}">
+        <p14:creationId xmlns:p14="http://schemas.microsoft.com/office/powerpoint/2010/main" val="2674961125"/>
+      </p:ext>
+    </p:extLst>
+  </p:cSld>
+  <p:clrMapOvr>
+    <a:masterClrMapping/>
+  </p:clrMapOvr>
+  <p:timing>
+    <p:tnLst>
+      <p:par>
+        <p:cTn xmlns:p14="http://schemas.microsoft.com/office/powerpoint/2010/main" id="1" dur="indefinite" restart="never" nodeType="tmRoot"/>
+      </p:par>
+    </p:tnLst>
+  </p:timing>
+</p:sld>
+</file>
+
+<file path=ppt/slides/slide9.xml><?xml version="1.0" encoding="utf-8"?>
+<p:sld xmlns:a="http://schemas.openxmlformats.org/drawingml/2006/main" xmlns:r="http://schemas.openxmlformats.org/officeDocument/2006/relationships" xmlns:p="http://schemas.openxmlformats.org/presentationml/2006/main">
+  <p:cSld>
+    <p:spTree>
+      <p:nvGrpSpPr>
+        <p:cNvPr id="1" name=""/>
+        <p:cNvGrpSpPr/>
+        <p:nvPr/>
+      </p:nvGrpSpPr>
+      <p:grpSpPr>
+        <a:xfrm>
+          <a:off x="0" y="0"/>
+          <a:ext cx="0" cy="0"/>
+          <a:chOff x="0" y="0"/>
+          <a:chExt cx="0" cy="0"/>
+        </a:xfrm>
+      </p:grpSpPr>
+      <p:sp>
+        <p:nvSpPr>
+          <p:cNvPr id="2" name="Title 1"/>
+          <p:cNvSpPr>
+            <a:spLocks noGrp="1"/>
+          </p:cNvSpPr>
+          <p:nvPr>
+            <p:ph type="title"/>
+          </p:nvPr>
+        </p:nvSpPr>
+        <p:spPr/>
+        <p:txBody>
+          <a:bodyPr>
+            <a:normAutofit fontScale="90000"/>
+          </a:bodyPr>
+          <a:lstStyle/>
+          <a:p>
+            <a:r>
+              <a:rPr lang="en-US" dirty="0" smtClean="0"/>
+              <a:t>Where to get info:</a:t>
+            </a:r>
+            <a:br>
+              <a:rPr lang="en-US" dirty="0" smtClean="0"/>
+            </a:br>
+            <a:r>
+              <a:rPr lang="en-US" dirty="0" smtClean="0"/>
+              <a:t>R-Sig-Geo mailing list</a:t>
+            </a:r>
+            <a:endParaRPr lang="en-US" dirty="0"/>
+          </a:p>
+        </p:txBody>
+      </p:sp>
+      <p:pic>
+        <p:nvPicPr>
+          <p:cNvPr id="7" name="Picture 6" descr="RSigGeo.png"/>
+          <p:cNvPicPr>
+            <a:picLocks noChangeAspect="1"/>
+          </p:cNvPicPr>
+          <p:nvPr/>
+        </p:nvPicPr>
+        <p:blipFill>
+          <a:blip r:embed="rId2">
+            <a:extLst>
+              <a:ext uri="{28A0092B-C50C-407E-A947-70E740481C1C}">
+                <a14:useLocalDpi xmlns:a14="http://schemas.microsoft.com/office/drawing/2010/main" val="0"/>
+              </a:ext>
+            </a:extLst>
+          </a:blip>
+          <a:stretch>
+            <a:fillRect/>
+          </a:stretch>
+        </p:blipFill>
+        <p:spPr>
+          <a:xfrm>
+            <a:off x="0" y="1531038"/>
+            <a:ext cx="9144000" cy="6384257"/>
+          </a:xfrm>
+          <a:prstGeom prst="rect">
+            <a:avLst/>
+          </a:prstGeom>
+        </p:spPr>
+      </p:pic>
+      <p:sp>
+        <p:nvSpPr>
+          <p:cNvPr id="8" name="Rectangle 7"/>
+          <p:cNvSpPr/>
+          <p:nvPr/>
+        </p:nvSpPr>
+        <p:spPr>
+          <a:xfrm>
+            <a:off x="102057" y="4785574"/>
+            <a:ext cx="8946974" cy="1462889"/>
+          </a:xfrm>
+          <a:prstGeom prst="rect">
+            <a:avLst/>
+          </a:prstGeom>
+          <a:noFill/>
+          <a:ln w="76200" cmpd="sng">
+            <a:solidFill>
+              <a:srgbClr val="FF0000"/>
+            </a:solidFill>
+          </a:ln>
+        </p:spPr>
+        <p:style>
+          <a:lnRef idx="1">
+            <a:schemeClr val="accent1"/>
+          </a:lnRef>
+          <a:fillRef idx="3">
+            <a:schemeClr val="accent1"/>
+          </a:fillRef>
+          <a:effectRef idx="2">
+            <a:schemeClr val="accent1"/>
+          </a:effectRef>
+          <a:fontRef idx="minor">
+            <a:schemeClr val="lt1"/>
+          </a:fontRef>
+        </p:style>
+        <p:txBody>
+          <a:bodyPr rtlCol="0" anchor="ctr"/>
+          <a:lstStyle/>
+          <a:p>
+            <a:pPr algn="ctr"/>
+            <a:endParaRPr lang="en-US"/>
+          </a:p>
+        </p:txBody>
+      </p:sp>
+    </p:spTree>
+    <p:extLst>
+      <p:ext uri="{BB962C8B-B14F-4D97-AF65-F5344CB8AC3E}">
+        <p14:creationId xmlns:p14="http://schemas.microsoft.com/office/powerpoint/2010/main" val="4073922099"/>
       </p:ext>
     </p:extLst>
   </p:cSld>
